--- a/presentation.pptx
+++ b/presentation.pptx
@@ -7,17 +7,16 @@
   <p:sldIdLst>
     <p:sldId id="256" r:id="rId2"/>
     <p:sldId id="257" r:id="rId3"/>
-    <p:sldId id="258" r:id="rId4"/>
-    <p:sldId id="259" r:id="rId5"/>
-    <p:sldId id="260" r:id="rId6"/>
-    <p:sldId id="261" r:id="rId7"/>
-    <p:sldId id="262" r:id="rId8"/>
-    <p:sldId id="263" r:id="rId9"/>
-    <p:sldId id="264" r:id="rId10"/>
-    <p:sldId id="265" r:id="rId11"/>
-    <p:sldId id="266" r:id="rId12"/>
-    <p:sldId id="267" r:id="rId13"/>
-    <p:sldId id="268" r:id="rId14"/>
+    <p:sldId id="270" r:id="rId4"/>
+    <p:sldId id="271" r:id="rId5"/>
+    <p:sldId id="272" r:id="rId6"/>
+    <p:sldId id="273" r:id="rId7"/>
+    <p:sldId id="274" r:id="rId8"/>
+    <p:sldId id="275" r:id="rId9"/>
+    <p:sldId id="276" r:id="rId10"/>
+    <p:sldId id="277" r:id="rId11"/>
+    <p:sldId id="278" r:id="rId12"/>
+    <p:sldId id="268" r:id="rId13"/>
   </p:sldIdLst>
   <p:sldSz cx="9144000" cy="6858000" type="screen4x3"/>
   <p:notesSz cx="6858000" cy="9144000"/>
@@ -231,7 +230,7 @@
             <a:fld id="{5B106E36-FD25-4E2D-B0AA-010F637433A0}" type="datetimeFigureOut">
               <a:rPr lang="ru-RU" smtClean="0"/>
               <a:pPr/>
-              <a:t>21.04.2020</a:t>
+              <a:t>04.05.2020</a:t>
             </a:fld>
             <a:endParaRPr lang="ru-RU"/>
           </a:p>
@@ -459,7 +458,7 @@
             <a:fld id="{5B106E36-FD25-4E2D-B0AA-010F637433A0}" type="datetimeFigureOut">
               <a:rPr lang="ru-RU" smtClean="0"/>
               <a:pPr/>
-              <a:t>21.04.2020</a:t>
+              <a:t>04.05.2020</a:t>
             </a:fld>
             <a:endParaRPr lang="ru-RU"/>
           </a:p>
@@ -636,7 +635,7 @@
             <a:fld id="{5B106E36-FD25-4E2D-B0AA-010F637433A0}" type="datetimeFigureOut">
               <a:rPr lang="ru-RU" smtClean="0"/>
               <a:pPr/>
-              <a:t>21.04.2020</a:t>
+              <a:t>04.05.2020</a:t>
             </a:fld>
             <a:endParaRPr lang="ru-RU"/>
           </a:p>
@@ -803,7 +802,7 @@
             <a:fld id="{5B106E36-FD25-4E2D-B0AA-010F637433A0}" type="datetimeFigureOut">
               <a:rPr lang="ru-RU" smtClean="0"/>
               <a:pPr/>
-              <a:t>21.04.2020</a:t>
+              <a:t>04.05.2020</a:t>
             </a:fld>
             <a:endParaRPr lang="ru-RU"/>
           </a:p>
@@ -1049,7 +1048,7 @@
             <a:fld id="{5B106E36-FD25-4E2D-B0AA-010F637433A0}" type="datetimeFigureOut">
               <a:rPr lang="ru-RU" smtClean="0"/>
               <a:pPr/>
-              <a:t>21.04.2020</a:t>
+              <a:t>04.05.2020</a:t>
             </a:fld>
             <a:endParaRPr lang="ru-RU"/>
           </a:p>
@@ -1315,7 +1314,7 @@
             <a:fld id="{5B106E36-FD25-4E2D-B0AA-010F637433A0}" type="datetimeFigureOut">
               <a:rPr lang="ru-RU" smtClean="0"/>
               <a:pPr/>
-              <a:t>21.04.2020</a:t>
+              <a:t>04.05.2020</a:t>
             </a:fld>
             <a:endParaRPr lang="ru-RU"/>
           </a:p>
@@ -1691,7 +1690,7 @@
             <a:fld id="{5B106E36-FD25-4E2D-B0AA-010F637433A0}" type="datetimeFigureOut">
               <a:rPr lang="ru-RU" smtClean="0"/>
               <a:pPr/>
-              <a:t>21.04.2020</a:t>
+              <a:t>04.05.2020</a:t>
             </a:fld>
             <a:endParaRPr lang="ru-RU"/>
           </a:p>
@@ -1806,7 +1805,7 @@
             <a:fld id="{5B106E36-FD25-4E2D-B0AA-010F637433A0}" type="datetimeFigureOut">
               <a:rPr lang="ru-RU" smtClean="0"/>
               <a:pPr/>
-              <a:t>21.04.2020</a:t>
+              <a:t>04.05.2020</a:t>
             </a:fld>
             <a:endParaRPr lang="ru-RU"/>
           </a:p>
@@ -1898,7 +1897,7 @@
             <a:fld id="{5B106E36-FD25-4E2D-B0AA-010F637433A0}" type="datetimeFigureOut">
               <a:rPr lang="ru-RU" smtClean="0"/>
               <a:pPr/>
-              <a:t>21.04.2020</a:t>
+              <a:t>04.05.2020</a:t>
             </a:fld>
             <a:endParaRPr lang="ru-RU"/>
           </a:p>
@@ -2158,7 +2157,7 @@
             <a:fld id="{5B106E36-FD25-4E2D-B0AA-010F637433A0}" type="datetimeFigureOut">
               <a:rPr lang="ru-RU" smtClean="0"/>
               <a:pPr/>
-              <a:t>21.04.2020</a:t>
+              <a:t>04.05.2020</a:t>
             </a:fld>
             <a:endParaRPr lang="ru-RU"/>
           </a:p>
@@ -2424,7 +2423,7 @@
             <a:fld id="{5B106E36-FD25-4E2D-B0AA-010F637433A0}" type="datetimeFigureOut">
               <a:rPr lang="ru-RU" smtClean="0"/>
               <a:pPr/>
-              <a:t>21.04.2020</a:t>
+              <a:t>04.05.2020</a:t>
             </a:fld>
             <a:endParaRPr lang="ru-RU"/>
           </a:p>
@@ -2643,7 +2642,7 @@
             <a:fld id="{5B106E36-FD25-4E2D-B0AA-010F637433A0}" type="datetimeFigureOut">
               <a:rPr lang="ru-RU" smtClean="0"/>
               <a:pPr/>
-              <a:t>21.04.2020</a:t>
+              <a:t>04.05.2020</a:t>
             </a:fld>
             <a:endParaRPr lang="ru-RU"/>
           </a:p>
@@ -3153,9 +3152,7 @@
         </p:nvSpPr>
         <p:spPr/>
         <p:txBody>
-          <a:bodyPr>
-            <a:normAutofit fontScale="90000"/>
-          </a:bodyPr>
+          <a:bodyPr/>
           <a:lstStyle/>
           <a:p>
             <a:r>
@@ -3176,30 +3173,60 @@
       </p:sp>
       <p:sp>
         <p:nvSpPr>
-          <p:cNvPr id="3" name="Содержимое 2"/>
-          <p:cNvSpPr>
-            <a:spLocks noGrp="1"/>
-          </p:cNvSpPr>
-          <p:nvPr>
-            <p:ph idx="1"/>
-          </p:nvPr>
-        </p:nvSpPr>
-        <p:spPr/>
-        <p:txBody>
-          <a:bodyPr/>
-          <a:lstStyle/>
-          <a:p>
+          <p:cNvPr id="3" name="Текст 2"/>
+          <p:cNvSpPr>
+            <a:spLocks noGrp="1"/>
+          </p:cNvSpPr>
+          <p:nvPr>
+            <p:ph type="body" idx="2"/>
+          </p:nvPr>
+        </p:nvSpPr>
+        <p:spPr/>
+        <p:txBody>
+          <a:bodyPr/>
+          <a:lstStyle/>
+          <a:p>
+            <a:r>
+              <a:rPr lang="ru-RU" dirty="0" smtClean="0"/>
+              <a:t>Добавление продукта, в базу данных, если нажата кнопка </a:t>
+            </a:r>
+            <a:r>
+              <a:rPr lang="en-US" dirty="0" smtClean="0"/>
+              <a:t>‘</a:t>
+            </a:r>
+            <a:r>
+              <a:rPr lang="ru-RU" dirty="0" smtClean="0"/>
+              <a:t>Добавить</a:t>
+            </a:r>
+            <a:r>
+              <a:rPr lang="en-US" dirty="0" smtClean="0"/>
+              <a:t>’.(</a:t>
+            </a:r>
+            <a:r>
+              <a:rPr lang="ru-RU" dirty="0" smtClean="0"/>
+              <a:t>только для </a:t>
+            </a:r>
+            <a:r>
+              <a:rPr lang="ru-RU" dirty="0" err="1" smtClean="0"/>
+              <a:t>админа</a:t>
+            </a:r>
+            <a:r>
+              <a:rPr lang="en-US" dirty="0" smtClean="0"/>
+              <a:t>)</a:t>
+            </a:r>
             <a:endParaRPr lang="ru-RU" dirty="0"/>
           </a:p>
         </p:txBody>
       </p:sp>
       <p:pic>
         <p:nvPicPr>
-          <p:cNvPr id="9218" name="Picture 2" descr="C:\Users\Sveta\Desktop\dVdurKBnIvI.jpg"/>
+          <p:cNvPr id="5" name="Picture 2" descr="C:\Users\Sveta\Desktop\dVdurKBnIvI.jpg"/>
           <p:cNvPicPr>
-            <a:picLocks noChangeAspect="1" noChangeArrowheads="1"/>
+            <a:picLocks noGrp="1" noChangeAspect="1" noChangeArrowheads="1"/>
           </p:cNvPicPr>
-          <p:nvPr/>
+          <p:nvPr>
+            <p:ph sz="half" idx="1"/>
+          </p:nvPr>
         </p:nvPicPr>
         <p:blipFill>
           <a:blip r:embed="rId2" cstate="print"/>
@@ -3210,8 +3237,8 @@
         </p:blipFill>
         <p:spPr bwMode="auto">
           <a:xfrm>
-            <a:off x="2195736" y="1988840"/>
-            <a:ext cx="4397375" cy="3833812"/>
+            <a:off x="3932006" y="1282849"/>
+            <a:ext cx="4397838" cy="3833514"/>
           </a:xfrm>
           <a:prstGeom prst="rect">
             <a:avLst/>
@@ -3273,30 +3300,84 @@
       </p:sp>
       <p:sp>
         <p:nvSpPr>
-          <p:cNvPr id="3" name="Содержимое 2"/>
-          <p:cNvSpPr>
-            <a:spLocks noGrp="1"/>
-          </p:cNvSpPr>
-          <p:nvPr>
-            <p:ph idx="1"/>
-          </p:nvPr>
-        </p:nvSpPr>
-        <p:spPr/>
-        <p:txBody>
-          <a:bodyPr/>
-          <a:lstStyle/>
-          <a:p>
-            <a:endParaRPr lang="ru-RU"/>
+          <p:cNvPr id="3" name="Текст 2"/>
+          <p:cNvSpPr>
+            <a:spLocks noGrp="1"/>
+          </p:cNvSpPr>
+          <p:nvPr>
+            <p:ph type="body" idx="2"/>
+          </p:nvPr>
+        </p:nvSpPr>
+        <p:spPr/>
+        <p:txBody>
+          <a:bodyPr/>
+          <a:lstStyle/>
+          <a:p>
+            <a:r>
+              <a:rPr lang="ru-RU" dirty="0" smtClean="0"/>
+              <a:t>Если пользователь приветствует бота, то бот показывает все команды, которые он может сделать</a:t>
+            </a:r>
+            <a:r>
+              <a:rPr lang="en-US" dirty="0" smtClean="0"/>
+              <a:t>:</a:t>
+            </a:r>
+          </a:p>
+          <a:p>
+            <a:pPr>
+              <a:buFont typeface="Arial" pitchFamily="34" charset="0"/>
+              <a:buChar char="•"/>
+            </a:pPr>
+            <a:r>
+              <a:rPr lang="ru-RU" dirty="0" smtClean="0"/>
+              <a:t>Написать</a:t>
+            </a:r>
+            <a:r>
+              <a:rPr lang="en-US" dirty="0" smtClean="0"/>
+              <a:t>: </a:t>
+            </a:r>
+            <a:r>
+              <a:rPr lang="ru-RU" dirty="0" smtClean="0"/>
+              <a:t>Товар</a:t>
+            </a:r>
+            <a:r>
+              <a:rPr lang="en-US" dirty="0" smtClean="0"/>
+              <a:t>:[</a:t>
+            </a:r>
+            <a:r>
+              <a:rPr lang="ru-RU" dirty="0" smtClean="0"/>
+              <a:t>название товара</a:t>
+            </a:r>
+            <a:r>
+              <a:rPr lang="en-US" dirty="0" smtClean="0"/>
+              <a:t>], </a:t>
+            </a:r>
+            <a:r>
+              <a:rPr lang="ru-RU" dirty="0" smtClean="0"/>
+              <a:t>чтобы узнать есть ли товар в наличии.</a:t>
+            </a:r>
+          </a:p>
+          <a:p>
+            <a:pPr>
+              <a:buFont typeface="Arial" pitchFamily="34" charset="0"/>
+              <a:buChar char="•"/>
+            </a:pPr>
+            <a:r>
+              <a:rPr lang="ru-RU" dirty="0" smtClean="0"/>
+              <a:t>Написать свой логин, чтобы узнать все свои заказы.</a:t>
+            </a:r>
+            <a:endParaRPr lang="ru-RU" dirty="0"/>
           </a:p>
         </p:txBody>
       </p:sp>
       <p:pic>
         <p:nvPicPr>
-          <p:cNvPr id="11266" name="Picture 2" descr="C:\Users\Sveta\Desktop\TEywGjKLMjw.jpg"/>
+          <p:cNvPr id="5" name="Picture 2" descr="C:\Users\Sveta\Desktop\TEywGjKLMjw.jpg"/>
           <p:cNvPicPr>
-            <a:picLocks noChangeAspect="1" noChangeArrowheads="1"/>
+            <a:picLocks noGrp="1" noChangeAspect="1" noChangeArrowheads="1"/>
           </p:cNvPicPr>
-          <p:nvPr/>
+          <p:nvPr>
+            <p:ph sz="half" idx="1"/>
+          </p:nvPr>
         </p:nvPicPr>
         <p:blipFill>
           <a:blip r:embed="rId2" cstate="print"/>
@@ -3307,8 +3388,34 @@
         </p:blipFill>
         <p:spPr bwMode="auto">
           <a:xfrm>
-            <a:off x="1547664" y="1412776"/>
-            <a:ext cx="5854214" cy="4752116"/>
+            <a:off x="3763303" y="332656"/>
+            <a:ext cx="5056351" cy="4104456"/>
+          </a:xfrm>
+          <a:prstGeom prst="rect">
+            <a:avLst/>
+          </a:prstGeom>
+          <a:noFill/>
+        </p:spPr>
+      </p:pic>
+      <p:pic>
+        <p:nvPicPr>
+          <p:cNvPr id="6" name="Picture 2" descr="C:\Users\Sveta\Desktop\xc7TGQ8M_NQ.jpg"/>
+          <p:cNvPicPr>
+            <a:picLocks noChangeAspect="1" noChangeArrowheads="1"/>
+          </p:cNvPicPr>
+          <p:nvPr/>
+        </p:nvPicPr>
+        <p:blipFill>
+          <a:blip r:embed="rId3" cstate="print"/>
+          <a:srcRect/>
+          <a:stretch>
+            <a:fillRect/>
+          </a:stretch>
+        </p:blipFill>
+        <p:spPr bwMode="auto">
+          <a:xfrm>
+            <a:off x="251520" y="3423811"/>
+            <a:ext cx="4782736" cy="3434189"/>
           </a:xfrm>
           <a:prstGeom prst="rect">
             <a:avLst/>
@@ -3325,103 +3432,6 @@
 </file>
 
 <file path=ppt/slides/slide12.xml><?xml version="1.0" encoding="utf-8"?>
-<p:sld xmlns:a="http://schemas.openxmlformats.org/drawingml/2006/main" xmlns:r="http://schemas.openxmlformats.org/officeDocument/2006/relationships" xmlns:p="http://schemas.openxmlformats.org/presentationml/2006/main">
-  <p:cSld>
-    <p:spTree>
-      <p:nvGrpSpPr>
-        <p:cNvPr id="1" name=""/>
-        <p:cNvGrpSpPr/>
-        <p:nvPr/>
-      </p:nvGrpSpPr>
-      <p:grpSpPr>
-        <a:xfrm>
-          <a:off x="0" y="0"/>
-          <a:ext cx="0" cy="0"/>
-          <a:chOff x="0" y="0"/>
-          <a:chExt cx="0" cy="0"/>
-        </a:xfrm>
-      </p:grpSpPr>
-      <p:sp>
-        <p:nvSpPr>
-          <p:cNvPr id="2" name="Заголовок 1"/>
-          <p:cNvSpPr>
-            <a:spLocks noGrp="1"/>
-          </p:cNvSpPr>
-          <p:nvPr>
-            <p:ph type="title"/>
-          </p:nvPr>
-        </p:nvSpPr>
-        <p:spPr/>
-        <p:txBody>
-          <a:bodyPr/>
-          <a:lstStyle/>
-          <a:p>
-            <a:r>
-              <a:rPr lang="ru-RU" dirty="0" smtClean="0"/>
-              <a:t>Бот для </a:t>
-            </a:r>
-            <a:r>
-              <a:rPr lang="en-US" dirty="0" err="1" smtClean="0"/>
-              <a:t>vk</a:t>
-            </a:r>
-            <a:endParaRPr lang="ru-RU" dirty="0"/>
-          </a:p>
-        </p:txBody>
-      </p:sp>
-      <p:sp>
-        <p:nvSpPr>
-          <p:cNvPr id="3" name="Содержимое 2"/>
-          <p:cNvSpPr>
-            <a:spLocks noGrp="1"/>
-          </p:cNvSpPr>
-          <p:nvPr>
-            <p:ph idx="1"/>
-          </p:nvPr>
-        </p:nvSpPr>
-        <p:spPr/>
-        <p:txBody>
-          <a:bodyPr/>
-          <a:lstStyle/>
-          <a:p>
-            <a:endParaRPr lang="ru-RU"/>
-          </a:p>
-        </p:txBody>
-      </p:sp>
-      <p:pic>
-        <p:nvPicPr>
-          <p:cNvPr id="10242" name="Picture 2" descr="C:\Users\Sveta\Desktop\xc7TGQ8M_NQ.jpg"/>
-          <p:cNvPicPr>
-            <a:picLocks noChangeAspect="1" noChangeArrowheads="1"/>
-          </p:cNvPicPr>
-          <p:nvPr/>
-        </p:nvPicPr>
-        <p:blipFill>
-          <a:blip r:embed="rId2" cstate="print"/>
-          <a:srcRect/>
-          <a:stretch>
-            <a:fillRect/>
-          </a:stretch>
-        </p:blipFill>
-        <p:spPr bwMode="auto">
-          <a:xfrm>
-            <a:off x="1259632" y="1124744"/>
-            <a:ext cx="7289844" cy="5234389"/>
-          </a:xfrm>
-          <a:prstGeom prst="rect">
-            <a:avLst/>
-          </a:prstGeom>
-          <a:noFill/>
-        </p:spPr>
-      </p:pic>
-    </p:spTree>
-  </p:cSld>
-  <p:clrMapOvr>
-    <a:masterClrMapping/>
-  </p:clrMapOvr>
-</p:sld>
-</file>
-
-<file path=ppt/slides/slide13.xml><?xml version="1.0" encoding="utf-8"?>
 <p:sld xmlns:a="http://schemas.openxmlformats.org/drawingml/2006/main" xmlns:r="http://schemas.openxmlformats.org/officeDocument/2006/relationships" xmlns:p="http://schemas.openxmlformats.org/presentationml/2006/main">
   <p:cSld>
     <p:spTree>
@@ -3625,30 +3635,72 @@
       </p:sp>
       <p:sp>
         <p:nvSpPr>
-          <p:cNvPr id="3" name="Содержимое 2"/>
-          <p:cNvSpPr>
-            <a:spLocks noGrp="1"/>
-          </p:cNvSpPr>
-          <p:nvPr>
-            <p:ph idx="1"/>
-          </p:nvPr>
-        </p:nvSpPr>
-        <p:spPr/>
-        <p:txBody>
-          <a:bodyPr/>
-          <a:lstStyle/>
-          <a:p>
-            <a:endParaRPr lang="ru-RU"/>
+          <p:cNvPr id="3" name="Текст 2"/>
+          <p:cNvSpPr>
+            <a:spLocks noGrp="1"/>
+          </p:cNvSpPr>
+          <p:nvPr>
+            <p:ph type="body" idx="2"/>
+          </p:nvPr>
+        </p:nvSpPr>
+        <p:spPr/>
+        <p:txBody>
+          <a:bodyPr/>
+          <a:lstStyle/>
+          <a:p>
+            <a:r>
+              <a:rPr lang="ru-RU" dirty="0" smtClean="0"/>
+              <a:t>С помощью </a:t>
+            </a:r>
+            <a:r>
+              <a:rPr lang="en-US" dirty="0" err="1" smtClean="0"/>
+              <a:t>wtforms</a:t>
+            </a:r>
+            <a:r>
+              <a:rPr lang="en-US" dirty="0" smtClean="0"/>
+              <a:t> </a:t>
+            </a:r>
+            <a:r>
+              <a:rPr lang="ru-RU" dirty="0" smtClean="0"/>
+              <a:t>создаются две формы</a:t>
+            </a:r>
+            <a:r>
+              <a:rPr lang="en-US" dirty="0" smtClean="0"/>
+              <a:t>:</a:t>
+            </a:r>
+            <a:r>
+              <a:rPr lang="ru-RU" dirty="0" smtClean="0"/>
+              <a:t> регистрация и вход. А также </a:t>
+            </a:r>
+            <a:r>
+              <a:rPr lang="ru-RU" dirty="0" err="1" smtClean="0"/>
+              <a:t>валидаторы</a:t>
+            </a:r>
+            <a:r>
+              <a:rPr lang="ru-RU" dirty="0" smtClean="0"/>
+              <a:t> для ошибки</a:t>
+            </a:r>
+            <a:r>
+              <a:rPr lang="en-US" dirty="0" smtClean="0"/>
+              <a:t>: </a:t>
+            </a:r>
+            <a:r>
+              <a:rPr lang="ru-RU" dirty="0" smtClean="0"/>
+              <a:t>пользователь не зарегистрирован.</a:t>
+            </a:r>
+            <a:endParaRPr lang="ru-RU" dirty="0"/>
           </a:p>
         </p:txBody>
       </p:sp>
       <p:pic>
         <p:nvPicPr>
-          <p:cNvPr id="2050" name="Picture 2" descr="C:\Users\Sveta\Desktop\8Fjp5MbMF34.jpg"/>
+          <p:cNvPr id="5" name="Picture 2" descr="C:\Users\Sveta\Desktop\8Fjp5MbMF34.jpg"/>
           <p:cNvPicPr>
-            <a:picLocks noChangeAspect="1" noChangeArrowheads="1"/>
+            <a:picLocks noGrp="1" noChangeAspect="1" noChangeArrowheads="1"/>
           </p:cNvPicPr>
-          <p:nvPr/>
+          <p:nvPr>
+            <p:ph sz="half" idx="1"/>
+          </p:nvPr>
         </p:nvPicPr>
         <p:blipFill>
           <a:blip r:embed="rId2" cstate="print"/>
@@ -3659,8 +3711,8 @@
         </p:blipFill>
         <p:spPr bwMode="auto">
           <a:xfrm>
-            <a:off x="323528" y="1772816"/>
-            <a:ext cx="8411370" cy="4194469"/>
+            <a:off x="3575050" y="1925076"/>
+            <a:ext cx="5111750" cy="2549060"/>
           </a:xfrm>
           <a:prstGeom prst="rect">
             <a:avLst/>
@@ -3706,52 +3758,82 @@
         <p:spPr/>
         <p:txBody>
           <a:bodyPr>
-            <a:normAutofit fontScale="90000"/>
+            <a:normAutofit/>
           </a:bodyPr>
           <a:lstStyle/>
           <a:p>
             <a:r>
-              <a:rPr lang="ru-RU" dirty="0" smtClean="0"/>
+              <a:rPr lang="ru-RU" sz="1600" dirty="0" smtClean="0"/>
               <a:t>Формы профиля(только для авторизованного) и добавления продукта(только для </a:t>
             </a:r>
             <a:r>
-              <a:rPr lang="ru-RU" dirty="0" err="1" smtClean="0"/>
+              <a:rPr lang="ru-RU" sz="1600" dirty="0" err="1" smtClean="0"/>
               <a:t>админа</a:t>
             </a:r>
             <a:r>
-              <a:rPr lang="ru-RU" dirty="0" smtClean="0"/>
+              <a:rPr lang="ru-RU" sz="1600" dirty="0" smtClean="0"/>
               <a:t>)</a:t>
             </a:r>
-            <a:endParaRPr lang="ru-RU" dirty="0"/>
-          </a:p>
-        </p:txBody>
-      </p:sp>
-      <p:sp>
-        <p:nvSpPr>
-          <p:cNvPr id="3" name="Содержимое 2"/>
-          <p:cNvSpPr>
-            <a:spLocks noGrp="1"/>
-          </p:cNvSpPr>
-          <p:nvPr>
-            <p:ph idx="1"/>
-          </p:nvPr>
-        </p:nvSpPr>
-        <p:spPr/>
-        <p:txBody>
-          <a:bodyPr/>
-          <a:lstStyle/>
-          <a:p>
+            <a:endParaRPr lang="ru-RU" sz="1600" dirty="0"/>
+          </a:p>
+        </p:txBody>
+      </p:sp>
+      <p:sp>
+        <p:nvSpPr>
+          <p:cNvPr id="3" name="Текст 2"/>
+          <p:cNvSpPr>
+            <a:spLocks noGrp="1"/>
+          </p:cNvSpPr>
+          <p:nvPr>
+            <p:ph type="body" idx="2"/>
+          </p:nvPr>
+        </p:nvSpPr>
+        <p:spPr/>
+        <p:txBody>
+          <a:bodyPr/>
+          <a:lstStyle/>
+          <a:p>
+            <a:r>
+              <a:rPr lang="ru-RU" dirty="0" smtClean="0"/>
+              <a:t>С помощью </a:t>
+            </a:r>
+            <a:r>
+              <a:rPr lang="en-US" dirty="0" err="1" smtClean="0"/>
+              <a:t>wtforms</a:t>
+            </a:r>
+            <a:r>
+              <a:rPr lang="en-US" dirty="0" smtClean="0"/>
+              <a:t> </a:t>
+            </a:r>
+            <a:r>
+              <a:rPr lang="ru-RU" dirty="0" smtClean="0"/>
+              <a:t>создаются две формы</a:t>
+            </a:r>
+            <a:r>
+              <a:rPr lang="en-US" dirty="0" smtClean="0"/>
+              <a:t>:</a:t>
+            </a:r>
+            <a:r>
+              <a:rPr lang="ru-RU" dirty="0" smtClean="0"/>
+              <a:t> </a:t>
+            </a:r>
+            <a:r>
+              <a:rPr lang="ru-RU" dirty="0" smtClean="0"/>
+              <a:t>профиль и добавление товара.</a:t>
+            </a:r>
             <a:endParaRPr lang="ru-RU" dirty="0"/>
           </a:p>
         </p:txBody>
       </p:sp>
       <p:pic>
         <p:nvPicPr>
-          <p:cNvPr id="3074" name="Picture 2" descr="C:\Users\Sveta\Desktop\eScNdjdoR7U.jpg"/>
+          <p:cNvPr id="5" name="Picture 2" descr="C:\Users\Sveta\Desktop\eScNdjdoR7U.jpg"/>
           <p:cNvPicPr>
-            <a:picLocks noChangeAspect="1" noChangeArrowheads="1"/>
+            <a:picLocks noGrp="1" noChangeAspect="1" noChangeArrowheads="1"/>
           </p:cNvPicPr>
-          <p:nvPr/>
+          <p:nvPr>
+            <p:ph sz="half" idx="1"/>
+          </p:nvPr>
         </p:nvPicPr>
         <p:blipFill>
           <a:blip r:embed="rId2" cstate="print"/>
@@ -3762,8 +3844,8 @@
         </p:blipFill>
         <p:spPr bwMode="auto">
           <a:xfrm>
-            <a:off x="395536" y="2060848"/>
-            <a:ext cx="8193088" cy="3395662"/>
+            <a:off x="3575050" y="2140223"/>
+            <a:ext cx="5111750" cy="2118766"/>
           </a:xfrm>
           <a:prstGeom prst="rect">
             <a:avLst/>
@@ -3808,9 +3890,7 @@
         </p:nvSpPr>
         <p:spPr/>
         <p:txBody>
-          <a:bodyPr>
-            <a:normAutofit fontScale="90000"/>
-          </a:bodyPr>
+          <a:bodyPr/>
           <a:lstStyle/>
           <a:p>
             <a:r>
@@ -3823,30 +3903,58 @@
       </p:sp>
       <p:sp>
         <p:nvSpPr>
-          <p:cNvPr id="3" name="Содержимое 2"/>
-          <p:cNvSpPr>
-            <a:spLocks noGrp="1"/>
-          </p:cNvSpPr>
-          <p:nvPr>
-            <p:ph idx="1"/>
-          </p:nvPr>
-        </p:nvSpPr>
-        <p:spPr/>
-        <p:txBody>
-          <a:bodyPr/>
-          <a:lstStyle/>
-          <a:p>
-            <a:endParaRPr lang="ru-RU"/>
+          <p:cNvPr id="3" name="Текст 2"/>
+          <p:cNvSpPr>
+            <a:spLocks noGrp="1"/>
+          </p:cNvSpPr>
+          <p:nvPr>
+            <p:ph type="body" idx="2"/>
+          </p:nvPr>
+        </p:nvSpPr>
+        <p:spPr/>
+        <p:txBody>
+          <a:bodyPr/>
+          <a:lstStyle/>
+          <a:p>
+            <a:r>
+              <a:rPr lang="ru-RU" dirty="0" smtClean="0"/>
+              <a:t>В авторизации сначала проходит подключение к базе данных. Далее, если происходит нажатие на кнопку(вход) , то проверяется зарегистрирован ли пользователь. Если да, то </a:t>
+            </a:r>
+            <a:r>
+              <a:rPr lang="en-US" dirty="0" smtClean="0"/>
+              <a:t>redirect </a:t>
+            </a:r>
+            <a:r>
+              <a:rPr lang="ru-RU" dirty="0" smtClean="0"/>
+              <a:t>на каталог, если нет, пользователь остается на странице авторизации.</a:t>
+            </a:r>
+          </a:p>
+          <a:p>
+            <a:r>
+              <a:rPr lang="ru-RU" dirty="0" smtClean="0"/>
+              <a:t>В регистрации сначала происходит подключение к базе данных. </a:t>
+            </a:r>
+            <a:r>
+              <a:rPr lang="ru-RU" dirty="0" smtClean="0"/>
+              <a:t>Далее, если происходит нажатие на </a:t>
+            </a:r>
+            <a:r>
+              <a:rPr lang="ru-RU" dirty="0" smtClean="0"/>
+              <a:t>кнопку(регистрация), то данные пользователя добавляются в базу данных.</a:t>
+            </a:r>
+            <a:endParaRPr lang="ru-RU" dirty="0"/>
           </a:p>
         </p:txBody>
       </p:sp>
       <p:pic>
         <p:nvPicPr>
-          <p:cNvPr id="4098" name="Picture 2" descr="C:\Users\Sveta\Desktop\0maZm-qeYjs.jpg"/>
+          <p:cNvPr id="5" name="Picture 2" descr="C:\Users\Sveta\Desktop\0maZm-qeYjs.jpg"/>
           <p:cNvPicPr>
-            <a:picLocks noChangeAspect="1" noChangeArrowheads="1"/>
+            <a:picLocks noGrp="1" noChangeAspect="1" noChangeArrowheads="1"/>
           </p:cNvPicPr>
-          <p:nvPr/>
+          <p:nvPr>
+            <p:ph sz="half" idx="1"/>
+          </p:nvPr>
         </p:nvPicPr>
         <p:blipFill>
           <a:blip r:embed="rId2" cstate="print"/>
@@ -3857,8 +3965,8 @@
         </p:blipFill>
         <p:spPr bwMode="auto">
           <a:xfrm>
-            <a:off x="1691680" y="1556792"/>
-            <a:ext cx="5954254" cy="4680520"/>
+            <a:off x="3575050" y="1190638"/>
+            <a:ext cx="5111750" cy="4017937"/>
           </a:xfrm>
           <a:prstGeom prst="rect">
             <a:avLst/>
@@ -3916,30 +4024,150 @@
       </p:sp>
       <p:sp>
         <p:nvSpPr>
-          <p:cNvPr id="3" name="Содержимое 2"/>
-          <p:cNvSpPr>
-            <a:spLocks noGrp="1"/>
-          </p:cNvSpPr>
-          <p:nvPr>
-            <p:ph idx="1"/>
-          </p:nvPr>
-        </p:nvSpPr>
-        <p:spPr/>
-        <p:txBody>
-          <a:bodyPr/>
-          <a:lstStyle/>
-          <a:p>
+          <p:cNvPr id="3" name="Текст 2"/>
+          <p:cNvSpPr>
+            <a:spLocks noGrp="1"/>
+          </p:cNvSpPr>
+          <p:nvPr>
+            <p:ph type="body" idx="2"/>
+          </p:nvPr>
+        </p:nvSpPr>
+        <p:spPr/>
+        <p:txBody>
+          <a:bodyPr/>
+          <a:lstStyle/>
+          <a:p>
+            <a:r>
+              <a:rPr lang="en-US" dirty="0" smtClean="0"/>
+              <a:t>GET </a:t>
+            </a:r>
+            <a:r>
+              <a:rPr lang="ru-RU" dirty="0" smtClean="0"/>
+              <a:t>запрос</a:t>
+            </a:r>
+            <a:r>
+              <a:rPr lang="en-US" dirty="0" smtClean="0"/>
+              <a:t>:</a:t>
+            </a:r>
+          </a:p>
+          <a:p>
+            <a:pPr>
+              <a:buFont typeface="Arial" pitchFamily="34" charset="0"/>
+              <a:buChar char="•"/>
+            </a:pPr>
+            <a:r>
+              <a:rPr lang="ru-RU" dirty="0" smtClean="0"/>
+              <a:t>Подключение к базе данных</a:t>
+            </a:r>
+          </a:p>
+          <a:p>
+            <a:pPr>
+              <a:buFont typeface="Arial" pitchFamily="34" charset="0"/>
+              <a:buChar char="•"/>
+            </a:pPr>
+            <a:r>
+              <a:rPr lang="ru-RU" dirty="0" smtClean="0"/>
+              <a:t>Сортировка продуктов базе данных по категории.</a:t>
+            </a:r>
+          </a:p>
+          <a:p>
+            <a:pPr>
+              <a:buFont typeface="Arial" pitchFamily="34" charset="0"/>
+              <a:buChar char="•"/>
+            </a:pPr>
+            <a:r>
+              <a:rPr lang="ru-RU" dirty="0" smtClean="0"/>
+              <a:t>Проверяется авторизирован ли пользователь.</a:t>
+            </a:r>
+          </a:p>
+          <a:p>
+            <a:pPr>
+              <a:buFont typeface="Arial" pitchFamily="34" charset="0"/>
+              <a:buChar char="•"/>
+            </a:pPr>
+            <a:r>
+              <a:rPr lang="ru-RU" dirty="0" smtClean="0"/>
+              <a:t>Если нет, то не передается корзина.</a:t>
+            </a:r>
+          </a:p>
+          <a:p>
+            <a:r>
+              <a:rPr lang="en-US" dirty="0" smtClean="0"/>
+              <a:t>POST </a:t>
+            </a:r>
+            <a:r>
+              <a:rPr lang="ru-RU" dirty="0" smtClean="0"/>
+              <a:t>запрос</a:t>
+            </a:r>
+            <a:r>
+              <a:rPr lang="en-US" dirty="0" smtClean="0"/>
+              <a:t>:</a:t>
+            </a:r>
+          </a:p>
+          <a:p>
+            <a:pPr>
+              <a:buFont typeface="Arial" pitchFamily="34" charset="0"/>
+              <a:buChar char="•"/>
+            </a:pPr>
+            <a:r>
+              <a:rPr lang="ru-RU" dirty="0" smtClean="0"/>
+              <a:t>Проверяется зажатие на кнопку удаления продукта из корзины(</a:t>
+            </a:r>
+            <a:r>
+              <a:rPr lang="en-US" dirty="0" err="1" smtClean="0"/>
+              <a:t>request.form</a:t>
+            </a:r>
+            <a:r>
+              <a:rPr lang="en-US" dirty="0" smtClean="0"/>
+              <a:t>[‘</a:t>
+            </a:r>
+            <a:r>
+              <a:rPr lang="en-US" dirty="0" err="1" smtClean="0"/>
+              <a:t>index_del</a:t>
+            </a:r>
+            <a:r>
+              <a:rPr lang="en-US" dirty="0" smtClean="0"/>
+              <a:t>’]</a:t>
+            </a:r>
+            <a:r>
+              <a:rPr lang="ru-RU" dirty="0" smtClean="0"/>
+              <a:t>) и на добавление продукта в корзину(</a:t>
+            </a:r>
+            <a:r>
+              <a:rPr lang="en-US" dirty="0" err="1" smtClean="0"/>
+              <a:t>request.form</a:t>
+            </a:r>
+            <a:r>
+              <a:rPr lang="en-US" dirty="0" smtClean="0"/>
+              <a:t>[‘</a:t>
+            </a:r>
+            <a:r>
+              <a:rPr lang="en-US" dirty="0" smtClean="0"/>
+              <a:t>index’]</a:t>
+            </a:r>
+            <a:r>
+              <a:rPr lang="ru-RU" dirty="0" smtClean="0"/>
+              <a:t>)</a:t>
+            </a:r>
+          </a:p>
+          <a:p>
+            <a:pPr>
+              <a:buFont typeface="Arial" pitchFamily="34" charset="0"/>
+              <a:buChar char="•"/>
+            </a:pPr>
             <a:endParaRPr lang="ru-RU" dirty="0"/>
           </a:p>
         </p:txBody>
       </p:sp>
       <p:pic>
         <p:nvPicPr>
-          <p:cNvPr id="5122" name="Picture 2" descr="C:\Users\Sveta\Desktop\VZoDztugqOg.jpg"/>
+          <p:cNvPr id="5" name="Picture 2" descr="C:\Users\Sveta\Desktop\VZoDztugqOg.jpg"/>
           <p:cNvPicPr>
-            <a:picLocks noChangeAspect="1" noChangeArrowheads="1"/>
+            <a:picLocks noGrp="1" noChangeAspect="1" noChangeArrowheads="1"/>
           </p:cNvPicPr>
-          <p:nvPr/>
+          <p:nvPr>
+            <p:ph sz="half" idx="1"/>
+          </p:nvPr>
         </p:nvPicPr>
         <p:blipFill>
           <a:blip r:embed="rId2" cstate="print"/>
@@ -3950,8 +4178,8 @@
         </p:blipFill>
         <p:spPr bwMode="auto">
           <a:xfrm>
-            <a:off x="2123728" y="1196752"/>
-            <a:ext cx="5356772" cy="5112568"/>
+            <a:off x="3575050" y="760389"/>
+            <a:ext cx="5111750" cy="4878434"/>
           </a:xfrm>
           <a:prstGeom prst="rect">
             <a:avLst/>
@@ -3996,45 +4224,253 @@
         </p:nvSpPr>
         <p:spPr/>
         <p:txBody>
+          <a:bodyPr/>
+          <a:lstStyle/>
+          <a:p>
+            <a:r>
+              <a:rPr lang="ru-RU" dirty="0" smtClean="0"/>
+              <a:t>Профиль авторизированного пользователя</a:t>
+            </a:r>
+            <a:endParaRPr lang="ru-RU" dirty="0"/>
+          </a:p>
+        </p:txBody>
+      </p:sp>
+      <p:sp>
+        <p:nvSpPr>
+          <p:cNvPr id="3" name="Текст 2"/>
+          <p:cNvSpPr>
+            <a:spLocks noGrp="1"/>
+          </p:cNvSpPr>
+          <p:nvPr>
+            <p:ph type="body" idx="2"/>
+          </p:nvPr>
+        </p:nvSpPr>
+        <p:spPr/>
+        <p:txBody>
           <a:bodyPr>
-            <a:normAutofit fontScale="90000"/>
+            <a:normAutofit lnSpcReduction="10000"/>
           </a:bodyPr>
           <a:lstStyle/>
           <a:p>
             <a:r>
               <a:rPr lang="ru-RU" dirty="0" smtClean="0"/>
-              <a:t>Профиль авторизированного пользователя</a:t>
-            </a:r>
-            <a:endParaRPr lang="ru-RU" dirty="0"/>
-          </a:p>
-        </p:txBody>
-      </p:sp>
-      <p:sp>
-        <p:nvSpPr>
-          <p:cNvPr id="3" name="Содержимое 2"/>
-          <p:cNvSpPr>
-            <a:spLocks noGrp="1"/>
-          </p:cNvSpPr>
-          <p:nvPr>
-            <p:ph idx="1"/>
-          </p:nvPr>
-        </p:nvSpPr>
-        <p:spPr/>
-        <p:txBody>
-          <a:bodyPr/>
-          <a:lstStyle/>
-          <a:p>
+              <a:t>Данная страниц показывается только авторизированному пользователю.</a:t>
+            </a:r>
+          </a:p>
+          <a:p>
+            <a:pPr>
+              <a:buFont typeface="Arial" pitchFamily="34" charset="0"/>
+              <a:buChar char="•"/>
+            </a:pPr>
+            <a:r>
+              <a:rPr lang="ru-RU" dirty="0" smtClean="0"/>
+              <a:t>Подключение к базе данных.</a:t>
+            </a:r>
+          </a:p>
+          <a:p>
+            <a:pPr>
+              <a:buFont typeface="Arial" pitchFamily="34" charset="0"/>
+              <a:buChar char="•"/>
+            </a:pPr>
+            <a:r>
+              <a:rPr lang="ru-RU" dirty="0" smtClean="0"/>
+              <a:t>Проверка на нажатие на кнопку редактирования профиля(</a:t>
+            </a:r>
+            <a:r>
+              <a:rPr lang="en-US" dirty="0" err="1" smtClean="0"/>
+              <a:t>request.form</a:t>
+            </a:r>
+            <a:r>
+              <a:rPr lang="en-US" dirty="0" smtClean="0"/>
+              <a:t>[‘</a:t>
+            </a:r>
+            <a:r>
+              <a:rPr lang="en-US" dirty="0" err="1" smtClean="0"/>
+              <a:t>edit_btn</a:t>
+            </a:r>
+            <a:r>
+              <a:rPr lang="en-US" dirty="0" smtClean="0"/>
+              <a:t>’]</a:t>
+            </a:r>
+            <a:r>
+              <a:rPr lang="ru-RU" dirty="0" smtClean="0"/>
+              <a:t>).</a:t>
+            </a:r>
+          </a:p>
+          <a:p>
+            <a:pPr>
+              <a:buFont typeface="Arial" pitchFamily="34" charset="0"/>
+              <a:buChar char="•"/>
+            </a:pPr>
+            <a:r>
+              <a:rPr lang="ru-RU" dirty="0" smtClean="0"/>
+              <a:t>Проверка на нажатие на кнопку </a:t>
+            </a:r>
+            <a:r>
+              <a:rPr lang="ru-RU" dirty="0" smtClean="0"/>
+              <a:t>сохранения профиля(</a:t>
+            </a:r>
+            <a:r>
+              <a:rPr lang="en-US" dirty="0" err="1" smtClean="0"/>
+              <a:t>request.form</a:t>
+            </a:r>
+            <a:r>
+              <a:rPr lang="en-US" dirty="0" smtClean="0"/>
+              <a:t>[‘</a:t>
+            </a:r>
+            <a:r>
+              <a:rPr lang="en-US" dirty="0" err="1" smtClean="0"/>
+              <a:t>save_btn</a:t>
+            </a:r>
+            <a:r>
+              <a:rPr lang="en-US" dirty="0" smtClean="0"/>
+              <a:t>’]</a:t>
+            </a:r>
+            <a:r>
+              <a:rPr lang="ru-RU" dirty="0" smtClean="0"/>
+              <a:t>).</a:t>
+            </a:r>
+          </a:p>
+          <a:p>
+            <a:pPr>
+              <a:buFont typeface="Arial" pitchFamily="34" charset="0"/>
+              <a:buChar char="•"/>
+            </a:pPr>
+            <a:r>
+              <a:rPr lang="ru-RU" dirty="0" smtClean="0"/>
+              <a:t>Проверка на нажатие на кнопку </a:t>
+            </a:r>
+            <a:r>
+              <a:rPr lang="ru-RU" dirty="0" smtClean="0"/>
+              <a:t>выхода из </a:t>
+            </a:r>
+            <a:r>
+              <a:rPr lang="ru-RU" dirty="0" err="1" smtClean="0"/>
+              <a:t>акаунта</a:t>
+            </a:r>
+            <a:r>
+              <a:rPr lang="ru-RU" dirty="0" smtClean="0"/>
+              <a:t> (</a:t>
+            </a:r>
+            <a:r>
+              <a:rPr lang="en-US" dirty="0" err="1" smtClean="0"/>
+              <a:t>request.form</a:t>
+            </a:r>
+            <a:r>
+              <a:rPr lang="en-US" dirty="0" smtClean="0"/>
+              <a:t>[‘exit</a:t>
+            </a:r>
+            <a:r>
+              <a:rPr lang="ru-RU" dirty="0" smtClean="0"/>
+              <a:t>_</a:t>
+            </a:r>
+            <a:r>
+              <a:rPr lang="en-US" dirty="0" err="1" smtClean="0"/>
+              <a:t>btn</a:t>
+            </a:r>
+            <a:r>
+              <a:rPr lang="en-US" dirty="0" smtClean="0"/>
+              <a:t>’]</a:t>
+            </a:r>
+            <a:r>
+              <a:rPr lang="ru-RU" dirty="0" smtClean="0"/>
+              <a:t>).</a:t>
+            </a:r>
+          </a:p>
+          <a:p>
+            <a:pPr>
+              <a:buFont typeface="Arial" pitchFamily="34" charset="0"/>
+              <a:buChar char="•"/>
+            </a:pPr>
+            <a:r>
+              <a:rPr lang="ru-RU" dirty="0" smtClean="0"/>
+              <a:t>Проверка на нажатие на </a:t>
+            </a:r>
+            <a:r>
+              <a:rPr lang="ru-RU" dirty="0" smtClean="0"/>
+              <a:t>кнопку добавления товара (</a:t>
+            </a:r>
+            <a:r>
+              <a:rPr lang="en-US" dirty="0" err="1" smtClean="0"/>
+              <a:t>request.form</a:t>
+            </a:r>
+            <a:r>
+              <a:rPr lang="en-US" dirty="0" smtClean="0"/>
+              <a:t>[‘</a:t>
+            </a:r>
+            <a:r>
+              <a:rPr lang="en-US" dirty="0" err="1" smtClean="0"/>
+              <a:t>admin_btn</a:t>
+            </a:r>
+            <a:r>
+              <a:rPr lang="en-US" dirty="0" smtClean="0"/>
+              <a:t>’]</a:t>
+            </a:r>
+            <a:r>
+              <a:rPr lang="ru-RU" dirty="0" smtClean="0"/>
+              <a:t>).</a:t>
+            </a:r>
+            <a:r>
+              <a:rPr lang="en-US" dirty="0" smtClean="0"/>
+              <a:t> </a:t>
+            </a:r>
+            <a:r>
+              <a:rPr lang="ru-RU" dirty="0" smtClean="0"/>
+              <a:t>Кнопка доступна только </a:t>
+            </a:r>
+            <a:r>
+              <a:rPr lang="ru-RU" dirty="0" err="1" smtClean="0"/>
+              <a:t>админу</a:t>
+            </a:r>
+            <a:r>
+              <a:rPr lang="ru-RU" dirty="0" smtClean="0"/>
+              <a:t>. Если она нажата, то </a:t>
+            </a:r>
+            <a:r>
+              <a:rPr lang="ru-RU" dirty="0" err="1" smtClean="0"/>
+              <a:t>админа</a:t>
+            </a:r>
+            <a:r>
+              <a:rPr lang="ru-RU" dirty="0" smtClean="0"/>
+              <a:t> переносит на страницу добавления товара.</a:t>
+            </a:r>
+          </a:p>
+          <a:p>
+            <a:pPr>
+              <a:buFont typeface="Arial" pitchFamily="34" charset="0"/>
+              <a:buChar char="•"/>
+            </a:pPr>
+            <a:r>
+              <a:rPr lang="ru-RU" dirty="0" smtClean="0"/>
+              <a:t>Также берется вся информация о заказах авторизированного пользователя.</a:t>
+            </a:r>
+            <a:endParaRPr lang="ru-RU" dirty="0" smtClean="0"/>
+          </a:p>
+          <a:p>
+            <a:pPr>
+              <a:buFont typeface="Arial" pitchFamily="34" charset="0"/>
+              <a:buChar char="•"/>
+            </a:pPr>
+            <a:endParaRPr lang="ru-RU" dirty="0" smtClean="0"/>
+          </a:p>
+          <a:p>
+            <a:pPr>
+              <a:buFont typeface="Arial" pitchFamily="34" charset="0"/>
+              <a:buChar char="•"/>
+            </a:pPr>
             <a:endParaRPr lang="ru-RU" dirty="0"/>
           </a:p>
         </p:txBody>
       </p:sp>
       <p:pic>
         <p:nvPicPr>
-          <p:cNvPr id="6146" name="Picture 2" descr="C:\Users\Sveta\Desktop\dlUgr8XsK4c.jpg"/>
+          <p:cNvPr id="5" name="Picture 2" descr="C:\Users\Sveta\Desktop\dlUgr8XsK4c.jpg"/>
           <p:cNvPicPr>
-            <a:picLocks noChangeAspect="1" noChangeArrowheads="1"/>
+            <a:picLocks noGrp="1" noChangeAspect="1" noChangeArrowheads="1"/>
           </p:cNvPicPr>
-          <p:nvPr/>
+          <p:nvPr>
+            <p:ph sz="half" idx="1"/>
+          </p:nvPr>
         </p:nvPicPr>
         <p:blipFill>
           <a:blip r:embed="rId2" cstate="print"/>
@@ -4045,8 +4481,8 @@
         </p:blipFill>
         <p:spPr bwMode="auto">
           <a:xfrm>
-            <a:off x="1907704" y="1484784"/>
-            <a:ext cx="5777099" cy="4968552"/>
+            <a:off x="3575050" y="1001444"/>
+            <a:ext cx="5111750" cy="4396324"/>
           </a:xfrm>
           <a:prstGeom prst="rect">
             <a:avLst/>
@@ -4091,9 +4527,7 @@
         </p:nvSpPr>
         <p:spPr/>
         <p:txBody>
-          <a:bodyPr>
-            <a:normAutofit fontScale="90000"/>
-          </a:bodyPr>
+          <a:bodyPr/>
           <a:lstStyle/>
           <a:p>
             <a:r>
@@ -4106,30 +4540,178 @@
       </p:sp>
       <p:sp>
         <p:nvSpPr>
-          <p:cNvPr id="3" name="Содержимое 2"/>
-          <p:cNvSpPr>
-            <a:spLocks noGrp="1"/>
-          </p:cNvSpPr>
-          <p:nvPr>
-            <p:ph idx="1"/>
-          </p:nvPr>
-        </p:nvSpPr>
-        <p:spPr/>
-        <p:txBody>
-          <a:bodyPr/>
-          <a:lstStyle/>
-          <a:p>
-            <a:endParaRPr lang="ru-RU"/>
+          <p:cNvPr id="3" name="Текст 2"/>
+          <p:cNvSpPr>
+            <a:spLocks noGrp="1"/>
+          </p:cNvSpPr>
+          <p:nvPr>
+            <p:ph type="body" idx="2"/>
+          </p:nvPr>
+        </p:nvSpPr>
+        <p:spPr/>
+        <p:txBody>
+          <a:bodyPr/>
+          <a:lstStyle/>
+          <a:p>
+            <a:r>
+              <a:rPr lang="en-US" dirty="0" smtClean="0"/>
+              <a:t>GET</a:t>
+            </a:r>
+            <a:r>
+              <a:rPr lang="ru-RU" dirty="0" smtClean="0"/>
+              <a:t> запроса</a:t>
+            </a:r>
+            <a:r>
+              <a:rPr lang="en-US" dirty="0" smtClean="0"/>
+              <a:t>:</a:t>
+            </a:r>
+          </a:p>
+          <a:p>
+            <a:pPr>
+              <a:buFont typeface="Arial" pitchFamily="34" charset="0"/>
+              <a:buChar char="•"/>
+            </a:pPr>
+            <a:r>
+              <a:rPr lang="ru-RU" dirty="0" smtClean="0"/>
+              <a:t>Выводятся все продукты, которые есть в корзине.</a:t>
+            </a:r>
+          </a:p>
+          <a:p>
+            <a:r>
+              <a:rPr lang="en-US" dirty="0" smtClean="0"/>
+              <a:t>POST </a:t>
+            </a:r>
+            <a:r>
+              <a:rPr lang="ru-RU" dirty="0" smtClean="0"/>
+              <a:t>запрос</a:t>
+            </a:r>
+            <a:r>
+              <a:rPr lang="en-US" dirty="0" smtClean="0"/>
+              <a:t>:</a:t>
+            </a:r>
+            <a:endParaRPr lang="ru-RU" dirty="0" smtClean="0"/>
+          </a:p>
+          <a:p>
+            <a:pPr>
+              <a:buFont typeface="Arial" pitchFamily="34" charset="0"/>
+              <a:buChar char="•"/>
+            </a:pPr>
+            <a:r>
+              <a:rPr lang="ru-RU" dirty="0" smtClean="0"/>
+              <a:t>Проверяется зажатие на кнопку удаления продукта из корзины(</a:t>
+            </a:r>
+            <a:r>
+              <a:rPr lang="en-US" dirty="0" err="1" smtClean="0"/>
+              <a:t>request.form</a:t>
+            </a:r>
+            <a:r>
+              <a:rPr lang="en-US" dirty="0" smtClean="0"/>
+              <a:t>[‘</a:t>
+            </a:r>
+            <a:r>
+              <a:rPr lang="en-US" dirty="0" err="1" smtClean="0"/>
+              <a:t>index_del</a:t>
+            </a:r>
+            <a:r>
+              <a:rPr lang="en-US" dirty="0" smtClean="0"/>
+              <a:t>’]</a:t>
+            </a:r>
+            <a:r>
+              <a:rPr lang="ru-RU" dirty="0" smtClean="0"/>
+              <a:t>)</a:t>
+            </a:r>
+          </a:p>
+          <a:p>
+            <a:pPr>
+              <a:buFont typeface="Arial" pitchFamily="34" charset="0"/>
+              <a:buChar char="•"/>
+            </a:pPr>
+            <a:r>
+              <a:rPr lang="ru-RU" dirty="0" smtClean="0"/>
+              <a:t>Проверяется зажатие на кнопку создания заказа(</a:t>
+            </a:r>
+            <a:r>
+              <a:rPr lang="en-US" dirty="0" err="1" smtClean="0"/>
+              <a:t>request.form</a:t>
+            </a:r>
+            <a:r>
+              <a:rPr lang="en-US" dirty="0" smtClean="0"/>
+              <a:t>[‘orders’]</a:t>
+            </a:r>
+            <a:r>
+              <a:rPr lang="ru-RU" dirty="0" smtClean="0"/>
+              <a:t>).</a:t>
+            </a:r>
+          </a:p>
+          <a:p>
+            <a:pPr>
+              <a:buFont typeface="Arial" pitchFamily="34" charset="0"/>
+              <a:buChar char="•"/>
+            </a:pPr>
+            <a:r>
+              <a:rPr lang="ru-RU" dirty="0" smtClean="0"/>
+              <a:t>Если заказ создан, то он добавляется в базу данных.</a:t>
+            </a:r>
+          </a:p>
+          <a:p>
+            <a:pPr>
+              <a:buFont typeface="Arial" pitchFamily="34" charset="0"/>
+              <a:buChar char="•"/>
+            </a:pPr>
+            <a:r>
+              <a:rPr lang="ru-RU" dirty="0" smtClean="0"/>
+              <a:t>Проверяется зажатие на кнопку </a:t>
+            </a:r>
+            <a:r>
+              <a:rPr lang="ru-RU" dirty="0" smtClean="0"/>
+              <a:t>возвращения к каталогу (</a:t>
+            </a:r>
+            <a:r>
+              <a:rPr lang="en-US" dirty="0" err="1" smtClean="0"/>
+              <a:t>request.form</a:t>
+            </a:r>
+            <a:r>
+              <a:rPr lang="en-US" dirty="0" smtClean="0"/>
+              <a:t>[‘</a:t>
+            </a:r>
+            <a:r>
+              <a:rPr lang="en-US" dirty="0" err="1" smtClean="0"/>
+              <a:t>back_catalog</a:t>
+            </a:r>
+            <a:r>
+              <a:rPr lang="en-US" dirty="0" smtClean="0"/>
+              <a:t>’]</a:t>
+            </a:r>
+            <a:r>
+              <a:rPr lang="ru-RU" dirty="0" smtClean="0"/>
+              <a:t>).</a:t>
+            </a:r>
+          </a:p>
+          <a:p>
+            <a:pPr>
+              <a:buFont typeface="Arial" pitchFamily="34" charset="0"/>
+              <a:buChar char="•"/>
+            </a:pPr>
+            <a:endParaRPr lang="ru-RU" dirty="0" smtClean="0"/>
+          </a:p>
+          <a:p>
+            <a:pPr>
+              <a:buFont typeface="Arial" pitchFamily="34" charset="0"/>
+              <a:buChar char="•"/>
+            </a:pPr>
+            <a:endParaRPr lang="ru-RU" dirty="0"/>
           </a:p>
         </p:txBody>
       </p:sp>
       <p:pic>
         <p:nvPicPr>
-          <p:cNvPr id="7170" name="Picture 2" descr="C:\Users\Sveta\Desktop\VQaQ1gVc_j4.jpg"/>
+          <p:cNvPr id="5" name="Picture 2" descr="C:\Users\Sveta\Desktop\VQaQ1gVc_j4.jpg"/>
           <p:cNvPicPr>
-            <a:picLocks noChangeAspect="1" noChangeArrowheads="1"/>
+            <a:picLocks noGrp="1" noChangeAspect="1" noChangeArrowheads="1"/>
           </p:cNvPicPr>
-          <p:nvPr/>
+          <p:nvPr>
+            <p:ph sz="half" idx="1"/>
+          </p:nvPr>
         </p:nvPicPr>
         <p:blipFill>
           <a:blip r:embed="rId2" cstate="print"/>
@@ -4140,8 +4722,8 @@
         </p:blipFill>
         <p:spPr bwMode="auto">
           <a:xfrm>
-            <a:off x="2267744" y="1484784"/>
-            <a:ext cx="5468541" cy="5048333"/>
+            <a:off x="3575050" y="840127"/>
+            <a:ext cx="5111750" cy="4718958"/>
           </a:xfrm>
           <a:prstGeom prst="rect">
             <a:avLst/>
@@ -4199,30 +4781,122 @@
       </p:sp>
       <p:sp>
         <p:nvSpPr>
-          <p:cNvPr id="3" name="Содержимое 2"/>
-          <p:cNvSpPr>
-            <a:spLocks noGrp="1"/>
-          </p:cNvSpPr>
-          <p:nvPr>
-            <p:ph idx="1"/>
-          </p:nvPr>
-        </p:nvSpPr>
-        <p:spPr/>
-        <p:txBody>
-          <a:bodyPr/>
-          <a:lstStyle/>
-          <a:p>
-            <a:endParaRPr lang="ru-RU"/>
+          <p:cNvPr id="3" name="Текст 2"/>
+          <p:cNvSpPr>
+            <a:spLocks noGrp="1"/>
+          </p:cNvSpPr>
+          <p:nvPr>
+            <p:ph type="body" idx="2"/>
+          </p:nvPr>
+        </p:nvSpPr>
+        <p:spPr/>
+        <p:txBody>
+          <a:bodyPr/>
+          <a:lstStyle/>
+          <a:p>
+            <a:r>
+              <a:rPr lang="en-US" dirty="0" smtClean="0"/>
+              <a:t>GET </a:t>
+            </a:r>
+            <a:r>
+              <a:rPr lang="ru-RU" dirty="0" smtClean="0"/>
+              <a:t>запрос</a:t>
+            </a:r>
+            <a:r>
+              <a:rPr lang="en-US" dirty="0" smtClean="0"/>
+              <a:t>:</a:t>
+            </a:r>
+            <a:endParaRPr lang="ru-RU" dirty="0" smtClean="0"/>
+          </a:p>
+          <a:p>
+            <a:pPr>
+              <a:buFont typeface="Arial" pitchFamily="34" charset="0"/>
+              <a:buChar char="•"/>
+            </a:pPr>
+            <a:r>
+              <a:rPr lang="ru-RU" dirty="0" smtClean="0"/>
+              <a:t>Проверяется авторизация пользователя , чтобы понять нужна ли кнопка добавления к корзину или нет. Если пользователь авторизирован, то проверяется наличие товара в корзине и в соответствие с полученными данными ставится соответствующая кнопка.</a:t>
+            </a:r>
+            <a:endParaRPr lang="en-US" dirty="0" smtClean="0"/>
+          </a:p>
+          <a:p>
+            <a:r>
+              <a:rPr lang="en-US" dirty="0" smtClean="0"/>
+              <a:t>POST </a:t>
+            </a:r>
+            <a:r>
+              <a:rPr lang="ru-RU" dirty="0" smtClean="0"/>
+              <a:t>запрос</a:t>
+            </a:r>
+            <a:r>
+              <a:rPr lang="en-US" dirty="0" smtClean="0"/>
+              <a:t>:</a:t>
+            </a:r>
+          </a:p>
+          <a:p>
+            <a:pPr>
+              <a:buFont typeface="Arial" pitchFamily="34" charset="0"/>
+              <a:buChar char="•"/>
+            </a:pPr>
+            <a:r>
+              <a:rPr lang="ru-RU" dirty="0" smtClean="0"/>
+              <a:t>Проверяется зажатие на кнопку удаления продукта из корзины(</a:t>
+            </a:r>
+            <a:r>
+              <a:rPr lang="en-US" dirty="0" err="1" smtClean="0"/>
+              <a:t>request.form</a:t>
+            </a:r>
+            <a:r>
+              <a:rPr lang="en-US" dirty="0" smtClean="0"/>
+              <a:t>[‘</a:t>
+            </a:r>
+            <a:r>
+              <a:rPr lang="en-US" dirty="0" err="1" smtClean="0"/>
+              <a:t>index_del</a:t>
+            </a:r>
+            <a:r>
+              <a:rPr lang="en-US" dirty="0" smtClean="0"/>
+              <a:t>’]</a:t>
+            </a:r>
+            <a:r>
+              <a:rPr lang="ru-RU" dirty="0" smtClean="0"/>
+              <a:t>) и на добавление продукта в корзину(</a:t>
+            </a:r>
+            <a:r>
+              <a:rPr lang="en-US" dirty="0" err="1" smtClean="0"/>
+              <a:t>request.form</a:t>
+            </a:r>
+            <a:r>
+              <a:rPr lang="en-US" dirty="0" smtClean="0"/>
+              <a:t>[‘index’]</a:t>
+            </a:r>
+            <a:r>
+              <a:rPr lang="ru-RU" dirty="0" smtClean="0"/>
+              <a:t>)</a:t>
+            </a:r>
+            <a:endParaRPr lang="en-US" dirty="0" smtClean="0"/>
+          </a:p>
+          <a:p>
+            <a:r>
+              <a:rPr lang="en-US" dirty="0" smtClean="0"/>
+              <a:t/>
+            </a:r>
+            <a:br>
+              <a:rPr lang="en-US" dirty="0" smtClean="0"/>
+            </a:br>
+            <a:endParaRPr lang="ru-RU" dirty="0"/>
           </a:p>
         </p:txBody>
       </p:sp>
       <p:pic>
         <p:nvPicPr>
-          <p:cNvPr id="8194" name="Picture 2" descr="C:\Users\Sveta\Desktop\hZHrJAyGIAM.jpg"/>
+          <p:cNvPr id="5" name="Picture 2" descr="C:\Users\Sveta\Desktop\hZHrJAyGIAM.jpg"/>
           <p:cNvPicPr>
-            <a:picLocks noChangeAspect="1" noChangeArrowheads="1"/>
+            <a:picLocks noGrp="1" noChangeAspect="1" noChangeArrowheads="1"/>
           </p:cNvPicPr>
-          <p:nvPr/>
+          <p:nvPr>
+            <p:ph sz="half" idx="1"/>
+          </p:nvPr>
         </p:nvPicPr>
         <p:blipFill>
           <a:blip r:embed="rId2" cstate="print"/>
@@ -4233,8 +4907,8 @@
         </p:blipFill>
         <p:spPr bwMode="auto">
           <a:xfrm>
-            <a:off x="1691680" y="1484784"/>
-            <a:ext cx="5110983" cy="4675361"/>
+            <a:off x="3575050" y="861481"/>
+            <a:ext cx="5111750" cy="4676251"/>
           </a:xfrm>
           <a:prstGeom prst="rect">
             <a:avLst/>
